--- a/Visualization/Day-4-Story-Telling/presentation.pptx
+++ b/Visualization/Day-4-Story-Telling/presentation.pptx
@@ -111,6 +111,11 @@
       </a:defRPr>
     </a:lvl9pPr>
   </p:defaultTextStyle>
+  <p:extLst>
+    <p:ext uri="{EFAFB233-063F-42B5-8137-9DF3F51BA10A}">
+      <p15:sldGuideLst xmlns:p15="http://schemas.microsoft.com/office/powerpoint/2012/main"/>
+    </p:ext>
+  </p:extLst>
 </p:presentation>
 </file>
 
@@ -328,7 +333,7 @@
             <a:fld id="{B61BEF0D-F0BB-DE4B-95CE-6DB70DBA9567}" type="datetimeFigureOut">
               <a:rPr lang="en-US" dirty="0"/>
               <a:pPr/>
-              <a:t>12/19/19</a:t>
+              <a:t>12/20/19</a:t>
             </a:fld>
             <a:endParaRPr lang="en-US" dirty="0"/>
           </a:p>
@@ -616,7 +621,7 @@
             <a:fld id="{B61BEF0D-F0BB-DE4B-95CE-6DB70DBA9567}" type="datetimeFigureOut">
               <a:rPr lang="en-US" dirty="0"/>
               <a:pPr/>
-              <a:t>12/19/19</a:t>
+              <a:t>12/20/19</a:t>
             </a:fld>
             <a:endParaRPr lang="en-US" dirty="0"/>
           </a:p>
@@ -872,7 +877,7 @@
             <a:fld id="{B61BEF0D-F0BB-DE4B-95CE-6DB70DBA9567}" type="datetimeFigureOut">
               <a:rPr lang="en-US" dirty="0"/>
               <a:pPr/>
-              <a:t>12/19/19</a:t>
+              <a:t>12/20/19</a:t>
             </a:fld>
             <a:endParaRPr lang="en-US" dirty="0"/>
           </a:p>
@@ -1338,7 +1343,7 @@
             <a:fld id="{B61BEF0D-F0BB-DE4B-95CE-6DB70DBA9567}" type="datetimeFigureOut">
               <a:rPr lang="en-US" dirty="0"/>
               <a:pPr/>
-              <a:t>12/19/19</a:t>
+              <a:t>12/20/19</a:t>
             </a:fld>
             <a:endParaRPr lang="en-US" dirty="0"/>
           </a:p>
@@ -1515,7 +1520,7 @@
             <a:fld id="{B61BEF0D-F0BB-DE4B-95CE-6DB70DBA9567}" type="datetimeFigureOut">
               <a:rPr lang="en-US" dirty="0"/>
               <a:pPr/>
-              <a:t>12/19/19</a:t>
+              <a:t>12/20/19</a:t>
             </a:fld>
             <a:endParaRPr lang="en-US" dirty="0"/>
           </a:p>
@@ -2088,7 +2093,7 @@
             <a:fld id="{B61BEF0D-F0BB-DE4B-95CE-6DB70DBA9567}" type="datetimeFigureOut">
               <a:rPr lang="en-US" dirty="0"/>
               <a:pPr/>
-              <a:t>12/19/19</a:t>
+              <a:t>12/20/19</a:t>
             </a:fld>
             <a:endParaRPr lang="en-US" dirty="0"/>
           </a:p>
@@ -2417,7 +2422,7 @@
             <a:fld id="{B61BEF0D-F0BB-DE4B-95CE-6DB70DBA9567}" type="datetimeFigureOut">
               <a:rPr lang="en-US" dirty="0"/>
               <a:pPr/>
-              <a:t>12/19/19</a:t>
+              <a:t>12/20/19</a:t>
             </a:fld>
             <a:endParaRPr lang="en-US" dirty="0"/>
           </a:p>
@@ -2589,7 +2594,7 @@
             <a:fld id="{B61BEF0D-F0BB-DE4B-95CE-6DB70DBA9567}" type="datetimeFigureOut">
               <a:rPr lang="en-US" dirty="0"/>
               <a:pPr/>
-              <a:t>12/19/19</a:t>
+              <a:t>12/20/19</a:t>
             </a:fld>
             <a:endParaRPr lang="en-US" dirty="0"/>
           </a:p>
@@ -2766,7 +2771,7 @@
             <a:fld id="{B61BEF0D-F0BB-DE4B-95CE-6DB70DBA9567}" type="datetimeFigureOut">
               <a:rPr lang="en-US" dirty="0"/>
               <a:pPr/>
-              <a:t>12/19/19</a:t>
+              <a:t>12/20/19</a:t>
             </a:fld>
             <a:endParaRPr lang="en-US" dirty="0"/>
           </a:p>
@@ -2933,7 +2938,7 @@
             <a:fld id="{B61BEF0D-F0BB-DE4B-95CE-6DB70DBA9567}" type="datetimeFigureOut">
               <a:rPr lang="en-US" dirty="0"/>
               <a:pPr/>
-              <a:t>12/19/19</a:t>
+              <a:t>12/20/19</a:t>
             </a:fld>
             <a:endParaRPr lang="en-US" dirty="0"/>
           </a:p>
@@ -3187,7 +3192,7 @@
             <a:fld id="{B61BEF0D-F0BB-DE4B-95CE-6DB70DBA9567}" type="datetimeFigureOut">
               <a:rPr lang="en-US" dirty="0"/>
               <a:pPr/>
-              <a:t>12/19/19</a:t>
+              <a:t>12/20/19</a:t>
             </a:fld>
             <a:endParaRPr lang="en-US" dirty="0"/>
           </a:p>
@@ -3476,7 +3481,7 @@
             <a:fld id="{B61BEF0D-F0BB-DE4B-95CE-6DB70DBA9567}" type="datetimeFigureOut">
               <a:rPr lang="en-US" dirty="0"/>
               <a:pPr/>
-              <a:t>12/19/19</a:t>
+              <a:t>12/20/19</a:t>
             </a:fld>
             <a:endParaRPr lang="en-US" dirty="0"/>
           </a:p>
@@ -3903,7 +3908,7 @@
             <a:fld id="{B61BEF0D-F0BB-DE4B-95CE-6DB70DBA9567}" type="datetimeFigureOut">
               <a:rPr lang="en-US" dirty="0"/>
               <a:pPr/>
-              <a:t>12/19/19</a:t>
+              <a:t>12/20/19</a:t>
             </a:fld>
             <a:endParaRPr lang="en-US" dirty="0"/>
           </a:p>
@@ -4018,7 +4023,7 @@
             <a:fld id="{B61BEF0D-F0BB-DE4B-95CE-6DB70DBA9567}" type="datetimeFigureOut">
               <a:rPr lang="en-US" dirty="0"/>
               <a:pPr/>
-              <a:t>12/19/19</a:t>
+              <a:t>12/20/19</a:t>
             </a:fld>
             <a:endParaRPr lang="en-US" dirty="0"/>
           </a:p>
@@ -4110,7 +4115,7 @@
             <a:fld id="{B61BEF0D-F0BB-DE4B-95CE-6DB70DBA9567}" type="datetimeFigureOut">
               <a:rPr lang="en-US" dirty="0"/>
               <a:pPr/>
-              <a:t>12/19/19</a:t>
+              <a:t>12/20/19</a:t>
             </a:fld>
             <a:endParaRPr lang="en-US" dirty="0"/>
           </a:p>
@@ -4390,7 +4395,7 @@
             <a:fld id="{B61BEF0D-F0BB-DE4B-95CE-6DB70DBA9567}" type="datetimeFigureOut">
               <a:rPr lang="en-US" dirty="0"/>
               <a:pPr/>
-              <a:t>12/19/19</a:t>
+              <a:t>12/20/19</a:t>
             </a:fld>
             <a:endParaRPr lang="en-US" dirty="0"/>
           </a:p>
@@ -4678,7 +4683,7 @@
             <a:fld id="{B61BEF0D-F0BB-DE4B-95CE-6DB70DBA9567}" type="datetimeFigureOut">
               <a:rPr lang="en-US" dirty="0"/>
               <a:pPr/>
-              <a:t>12/19/19</a:t>
+              <a:t>12/20/19</a:t>
             </a:fld>
             <a:endParaRPr lang="en-US" dirty="0"/>
           </a:p>
@@ -4906,7 +4911,7 @@
             <a:fld id="{B61BEF0D-F0BB-DE4B-95CE-6DB70DBA9567}" type="datetimeFigureOut">
               <a:rPr lang="en-US" dirty="0"/>
               <a:pPr/>
-              <a:t>12/19/19</a:t>
+              <a:t>12/20/19</a:t>
             </a:fld>
             <a:endParaRPr lang="en-US" dirty="0"/>
           </a:p>
@@ -5727,10 +5732,7 @@
           <a:bodyPr/>
           <a:lstStyle/>
           <a:p>
-            <a:r>
-              <a:rPr lang="en-US" dirty="0"/>
-              <a:t>Timothy Pillow</a:t>
-            </a:r>
+            <a:endParaRPr lang="en-US" dirty="0"/>
           </a:p>
         </p:txBody>
       </p:sp>
@@ -6578,6 +6580,132 @@
           </a:prstGeom>
         </p:spPr>
       </p:pic>
+      <p:cxnSp>
+        <p:nvCxnSpPr>
+          <p:cNvPr id="3" name="Straight Arrow Connector 2">
+            <a:extLst>
+              <a:ext uri="{FF2B5EF4-FFF2-40B4-BE49-F238E27FC236}">
+                <a16:creationId xmlns:a16="http://schemas.microsoft.com/office/drawing/2014/main" id="{5DAFA2D0-5DDF-A444-B8C9-2FE7B8CBC102}"/>
+              </a:ext>
+            </a:extLst>
+          </p:cNvPr>
+          <p:cNvCxnSpPr>
+            <a:cxnSpLocks/>
+          </p:cNvCxnSpPr>
+          <p:nvPr/>
+        </p:nvCxnSpPr>
+        <p:spPr>
+          <a:xfrm>
+            <a:off x="9904020" y="4643252"/>
+            <a:ext cx="0" cy="819397"/>
+          </a:xfrm>
+          <a:prstGeom prst="straightConnector1">
+            <a:avLst/>
+          </a:prstGeom>
+          <a:ln>
+            <a:headEnd type="triangle"/>
+            <a:tailEnd type="triangle"/>
+          </a:ln>
+        </p:spPr>
+        <p:style>
+          <a:lnRef idx="1">
+            <a:schemeClr val="accent1"/>
+          </a:lnRef>
+          <a:fillRef idx="0">
+            <a:schemeClr val="accent1"/>
+          </a:fillRef>
+          <a:effectRef idx="0">
+            <a:schemeClr val="accent1"/>
+          </a:effectRef>
+          <a:fontRef idx="minor">
+            <a:schemeClr val="tx1"/>
+          </a:fontRef>
+        </p:style>
+      </p:cxnSp>
+      <p:cxnSp>
+        <p:nvCxnSpPr>
+          <p:cNvPr id="8" name="Straight Arrow Connector 7">
+            <a:extLst>
+              <a:ext uri="{FF2B5EF4-FFF2-40B4-BE49-F238E27FC236}">
+                <a16:creationId xmlns:a16="http://schemas.microsoft.com/office/drawing/2014/main" id="{03595C3F-4892-914E-A796-D8E763DC2E6E}"/>
+              </a:ext>
+            </a:extLst>
+          </p:cNvPr>
+          <p:cNvCxnSpPr>
+            <a:cxnSpLocks/>
+          </p:cNvCxnSpPr>
+          <p:nvPr/>
+        </p:nvCxnSpPr>
+        <p:spPr>
+          <a:xfrm>
+            <a:off x="5045034" y="3845626"/>
+            <a:ext cx="0" cy="762000"/>
+          </a:xfrm>
+          <a:prstGeom prst="straightConnector1">
+            <a:avLst/>
+          </a:prstGeom>
+          <a:ln>
+            <a:headEnd type="triangle"/>
+            <a:tailEnd type="triangle"/>
+          </a:ln>
+        </p:spPr>
+        <p:style>
+          <a:lnRef idx="1">
+            <a:schemeClr val="accent1"/>
+          </a:lnRef>
+          <a:fillRef idx="0">
+            <a:schemeClr val="accent1"/>
+          </a:fillRef>
+          <a:effectRef idx="0">
+            <a:schemeClr val="accent1"/>
+          </a:effectRef>
+          <a:fontRef idx="minor">
+            <a:schemeClr val="tx1"/>
+          </a:fontRef>
+        </p:style>
+      </p:cxnSp>
+      <p:cxnSp>
+        <p:nvCxnSpPr>
+          <p:cNvPr id="11" name="Straight Arrow Connector 10">
+            <a:extLst>
+              <a:ext uri="{FF2B5EF4-FFF2-40B4-BE49-F238E27FC236}">
+                <a16:creationId xmlns:a16="http://schemas.microsoft.com/office/drawing/2014/main" id="{B28B0957-0873-5640-AACD-15AAB0D2CDB7}"/>
+              </a:ext>
+            </a:extLst>
+          </p:cNvPr>
+          <p:cNvCxnSpPr>
+            <a:cxnSpLocks/>
+          </p:cNvCxnSpPr>
+          <p:nvPr/>
+        </p:nvCxnSpPr>
+        <p:spPr>
+          <a:xfrm>
+            <a:off x="7467600" y="4370119"/>
+            <a:ext cx="0" cy="807523"/>
+          </a:xfrm>
+          <a:prstGeom prst="straightConnector1">
+            <a:avLst/>
+          </a:prstGeom>
+          <a:ln>
+            <a:headEnd type="triangle"/>
+            <a:tailEnd type="triangle"/>
+          </a:ln>
+        </p:spPr>
+        <p:style>
+          <a:lnRef idx="1">
+            <a:schemeClr val="accent1"/>
+          </a:lnRef>
+          <a:fillRef idx="0">
+            <a:schemeClr val="accent1"/>
+          </a:fillRef>
+          <a:effectRef idx="0">
+            <a:schemeClr val="accent1"/>
+          </a:effectRef>
+          <a:fontRef idx="minor">
+            <a:schemeClr val="tx1"/>
+          </a:fontRef>
+        </p:style>
+      </p:cxnSp>
     </p:spTree>
     <p:extLst>
       <p:ext uri="{BB962C8B-B14F-4D97-AF65-F5344CB8AC3E}">
